--- a/testppt.pptx
+++ b/testppt.pptx
@@ -3051,8 +3051,8 @@
           <a:lstStyle/>
           <a:p>
             <a:r>
-              <a:rPr lang="en-US" altLang="zh-CN" dirty="0" smtClean="0"/>
-              <a:t>123</a:t>
+              <a:rPr lang="en-US" altLang="zh-CN" smtClean="0"/>
+              <a:t>123456</a:t>
             </a:r>
             <a:endParaRPr lang="zh-CN" altLang="en-US" dirty="0"/>
           </a:p>

--- a/testppt.pptx
+++ b/testppt.pptx
@@ -3052,7 +3052,7 @@
           <a:p>
             <a:r>
               <a:rPr lang="en-US" altLang="zh-CN" smtClean="0"/>
-              <a:t>123456</a:t>
+              <a:t>231252435243adfafafadsf</a:t>
             </a:r>
             <a:endParaRPr lang="zh-CN" altLang="en-US" dirty="0"/>
           </a:p>
@@ -3074,17 +3074,17 @@
           <a:lstStyle/>
           <a:p>
             <a:r>
-              <a:rPr lang="en-US" altLang="zh-CN" dirty="0" smtClean="0"/>
-              <a:t>3456</a:t>
-            </a:r>
-            <a:endParaRPr lang="zh-CN" altLang="en-US" dirty="0"/>
+              <a:rPr lang="en-US" altLang="zh-CN" smtClean="0"/>
+              <a:t>24352352435</a:t>
+            </a:r>
+            <a:endParaRPr lang="zh-CN" altLang="en-US"/>
           </a:p>
         </p:txBody>
       </p:sp>
     </p:spTree>
     <p:extLst>
       <p:ext uri="{BB962C8B-B14F-4D97-AF65-F5344CB8AC3E}">
-        <p14:creationId xmlns:p14="http://schemas.microsoft.com/office/powerpoint/2010/main" val="2278788691"/>
+        <p14:creationId xmlns:p14="http://schemas.microsoft.com/office/powerpoint/2010/main" val="3923925675"/>
       </p:ext>
     </p:extLst>
   </p:cSld>
